--- a/state translate map.pptx
+++ b/state translate map.pptx
@@ -104,6 +104,11 @@
       </a:defRPr>
     </a:lvl9pPr>
   </p:defaultTextStyle>
+  <p:extLst>
+    <p:ext uri="{EFAFB233-063F-42B5-8137-9DF3F51BA10A}">
+      <p15:sldGuideLst xmlns:p15="http://schemas.microsoft.com/office/powerpoint/2012/main"/>
+    </p:ext>
+  </p:extLst>
 </p:presentation>
 </file>
 
@@ -254,7 +259,7 @@
           <a:p>
             <a:fld id="{61DD0A04-671F-4C4D-9DD9-891A7CF25DBF}" type="datetimeFigureOut">
               <a:rPr lang="zh-CN" altLang="en-US" smtClean="0"/>
-              <a:t>2019/10/9</a:t>
+              <a:t>2019/10/10</a:t>
             </a:fld>
             <a:endParaRPr lang="zh-CN" altLang="en-US"/>
           </a:p>
@@ -452,7 +457,7 @@
           <a:p>
             <a:fld id="{61DD0A04-671F-4C4D-9DD9-891A7CF25DBF}" type="datetimeFigureOut">
               <a:rPr lang="zh-CN" altLang="en-US" smtClean="0"/>
-              <a:t>2019/10/9</a:t>
+              <a:t>2019/10/10</a:t>
             </a:fld>
             <a:endParaRPr lang="zh-CN" altLang="en-US"/>
           </a:p>
@@ -660,7 +665,7 @@
           <a:p>
             <a:fld id="{61DD0A04-671F-4C4D-9DD9-891A7CF25DBF}" type="datetimeFigureOut">
               <a:rPr lang="zh-CN" altLang="en-US" smtClean="0"/>
-              <a:t>2019/10/9</a:t>
+              <a:t>2019/10/10</a:t>
             </a:fld>
             <a:endParaRPr lang="zh-CN" altLang="en-US"/>
           </a:p>
@@ -858,7 +863,7 @@
           <a:p>
             <a:fld id="{61DD0A04-671F-4C4D-9DD9-891A7CF25DBF}" type="datetimeFigureOut">
               <a:rPr lang="zh-CN" altLang="en-US" smtClean="0"/>
-              <a:t>2019/10/9</a:t>
+              <a:t>2019/10/10</a:t>
             </a:fld>
             <a:endParaRPr lang="zh-CN" altLang="en-US"/>
           </a:p>
@@ -1133,7 +1138,7 @@
           <a:p>
             <a:fld id="{61DD0A04-671F-4C4D-9DD9-891A7CF25DBF}" type="datetimeFigureOut">
               <a:rPr lang="zh-CN" altLang="en-US" smtClean="0"/>
-              <a:t>2019/10/9</a:t>
+              <a:t>2019/10/10</a:t>
             </a:fld>
             <a:endParaRPr lang="zh-CN" altLang="en-US"/>
           </a:p>
@@ -1398,7 +1403,7 @@
           <a:p>
             <a:fld id="{61DD0A04-671F-4C4D-9DD9-891A7CF25DBF}" type="datetimeFigureOut">
               <a:rPr lang="zh-CN" altLang="en-US" smtClean="0"/>
-              <a:t>2019/10/9</a:t>
+              <a:t>2019/10/10</a:t>
             </a:fld>
             <a:endParaRPr lang="zh-CN" altLang="en-US"/>
           </a:p>
@@ -1810,7 +1815,7 @@
           <a:p>
             <a:fld id="{61DD0A04-671F-4C4D-9DD9-891A7CF25DBF}" type="datetimeFigureOut">
               <a:rPr lang="zh-CN" altLang="en-US" smtClean="0"/>
-              <a:t>2019/10/9</a:t>
+              <a:t>2019/10/10</a:t>
             </a:fld>
             <a:endParaRPr lang="zh-CN" altLang="en-US"/>
           </a:p>
@@ -1951,7 +1956,7 @@
           <a:p>
             <a:fld id="{61DD0A04-671F-4C4D-9DD9-891A7CF25DBF}" type="datetimeFigureOut">
               <a:rPr lang="zh-CN" altLang="en-US" smtClean="0"/>
-              <a:t>2019/10/9</a:t>
+              <a:t>2019/10/10</a:t>
             </a:fld>
             <a:endParaRPr lang="zh-CN" altLang="en-US"/>
           </a:p>
@@ -2064,7 +2069,7 @@
           <a:p>
             <a:fld id="{61DD0A04-671F-4C4D-9DD9-891A7CF25DBF}" type="datetimeFigureOut">
               <a:rPr lang="zh-CN" altLang="en-US" smtClean="0"/>
-              <a:t>2019/10/9</a:t>
+              <a:t>2019/10/10</a:t>
             </a:fld>
             <a:endParaRPr lang="zh-CN" altLang="en-US"/>
           </a:p>
@@ -2375,7 +2380,7 @@
           <a:p>
             <a:fld id="{61DD0A04-671F-4C4D-9DD9-891A7CF25DBF}" type="datetimeFigureOut">
               <a:rPr lang="zh-CN" altLang="en-US" smtClean="0"/>
-              <a:t>2019/10/9</a:t>
+              <a:t>2019/10/10</a:t>
             </a:fld>
             <a:endParaRPr lang="zh-CN" altLang="en-US"/>
           </a:p>
@@ -2663,7 +2668,7 @@
           <a:p>
             <a:fld id="{61DD0A04-671F-4C4D-9DD9-891A7CF25DBF}" type="datetimeFigureOut">
               <a:rPr lang="zh-CN" altLang="en-US" smtClean="0"/>
-              <a:t>2019/10/9</a:t>
+              <a:t>2019/10/10</a:t>
             </a:fld>
             <a:endParaRPr lang="zh-CN" altLang="en-US"/>
           </a:p>
@@ -2904,7 +2909,7 @@
           <a:p>
             <a:fld id="{61DD0A04-671F-4C4D-9DD9-891A7CF25DBF}" type="datetimeFigureOut">
               <a:rPr lang="zh-CN" altLang="en-US" smtClean="0"/>
-              <a:t>2019/10/9</a:t>
+              <a:t>2019/10/10</a:t>
             </a:fld>
             <a:endParaRPr lang="zh-CN" altLang="en-US"/>
           </a:p>
@@ -4620,19 +4625,21 @@
             </a:extLst>
           </p:cNvPr>
           <p:cNvCxnSpPr>
-            <a:stCxn id="5" idx="1"/>
+            <a:cxnSpLocks/>
+            <a:stCxn id="80" idx="2"/>
             <a:endCxn id="2" idx="1"/>
           </p:cNvCxnSpPr>
           <p:nvPr/>
         </p:nvCxnSpPr>
         <p:spPr>
-          <a:xfrm rot="10800000">
-            <a:off x="1" y="3564467"/>
-            <a:ext cx="3217333" cy="2302927"/>
-          </a:xfrm>
-          <a:prstGeom prst="curvedConnector3">
+          <a:xfrm rot="5400000" flipH="1">
+            <a:off x="2298699" y="1265768"/>
+            <a:ext cx="2650067" cy="7247465"/>
+          </a:xfrm>
+          <a:prstGeom prst="curvedConnector4">
             <a:avLst>
-              <a:gd name="adj1" fmla="val 107105"/>
+              <a:gd name="adj1" fmla="val -8626"/>
+              <a:gd name="adj2" fmla="val 103154"/>
             </a:avLst>
           </a:prstGeom>
           <a:ln>
